--- a/doc/capstone2_wisconsin_breast_cancer_prediction.pptx
+++ b/doc/capstone2_wisconsin_breast_cancer_prediction.pptx
@@ -11,6 +11,8 @@
     <p:sldId id="259" r:id="rId5"/>
     <p:sldId id="260" r:id="rId6"/>
     <p:sldId id="261" r:id="rId7"/>
+    <p:sldId id="262" r:id="rId8"/>
+    <p:sldId id="263" r:id="rId9"/>
   </p:sldIdLst>
   <p:sldSz cx="12192000" cy="6858000"/>
   <p:notesSz cx="6858000" cy="9144000"/>
@@ -109,13 +111,18 @@
       </a:defRPr>
     </a:lvl9pPr>
   </p:defaultTextStyle>
+  <p:extLst>
+    <p:ext uri="{EFAFB233-063F-42B5-8137-9DF3F51BA10A}">
+      <p15:sldGuideLst xmlns:p15="http://schemas.microsoft.com/office/powerpoint/2012/main"/>
+    </p:ext>
+  </p:extLst>
 </p:presentation>
 </file>
 
 <file path=ppt/revisionInfo.xml><?xml version="1.0" encoding="utf-8"?>
 <p1510:revInfo xmlns:a="http://schemas.openxmlformats.org/drawingml/2006/main" xmlns:r="http://schemas.openxmlformats.org/officeDocument/2006/relationships" xmlns:p1510="http://schemas.microsoft.com/office/powerpoint/2015/10/main">
   <p1510:revLst>
-    <p1510:client id="{F8F6CFF2-947E-4F5A-9297-90CA9B0A40FE}" v="3" dt="2020-11-09T02:50:12.263"/>
+    <p1510:client id="{F8F6CFF2-947E-4F5A-9297-90CA9B0A40FE}" v="6" dt="2020-11-10T02:59:23.196"/>
   </p1510:revLst>
 </p1510:revInfo>
 </file>
@@ -125,7 +132,7 @@
   <pc:docChgLst>
     <pc:chgData name="Tzu-Ying Chen" userId="6f1c1427c9e5e58c" providerId="LiveId" clId="{F8F6CFF2-947E-4F5A-9297-90CA9B0A40FE}"/>
     <pc:docChg chg="undo custSel mod addSld delSld modSld">
-      <pc:chgData name="Tzu-Ying Chen" userId="6f1c1427c9e5e58c" providerId="LiveId" clId="{F8F6CFF2-947E-4F5A-9297-90CA9B0A40FE}" dt="2020-11-09T02:51:52.243" v="240" actId="20577"/>
+      <pc:chgData name="Tzu-Ying Chen" userId="6f1c1427c9e5e58c" providerId="LiveId" clId="{F8F6CFF2-947E-4F5A-9297-90CA9B0A40FE}" dt="2020-11-10T03:02:04.661" v="323" actId="20577"/>
       <pc:docMkLst>
         <pc:docMk/>
       </pc:docMkLst>
@@ -341,20 +348,52 @@
           </ac:picMkLst>
         </pc:picChg>
       </pc:sldChg>
-      <pc:sldChg chg="modSp new mod">
-        <pc:chgData name="Tzu-Ying Chen" userId="6f1c1427c9e5e58c" providerId="LiveId" clId="{F8F6CFF2-947E-4F5A-9297-90CA9B0A40FE}" dt="2020-11-09T02:51:52.243" v="240" actId="20577"/>
+      <pc:sldChg chg="addSp delSp modSp new mod">
+        <pc:chgData name="Tzu-Ying Chen" userId="6f1c1427c9e5e58c" providerId="LiveId" clId="{F8F6CFF2-947E-4F5A-9297-90CA9B0A40FE}" dt="2020-11-10T02:59:16.193" v="262" actId="1076"/>
         <pc:sldMkLst>
           <pc:docMk/>
           <pc:sldMk cId="1473414405" sldId="261"/>
         </pc:sldMkLst>
         <pc:spChg chg="mod">
-          <ac:chgData name="Tzu-Ying Chen" userId="6f1c1427c9e5e58c" providerId="LiveId" clId="{F8F6CFF2-947E-4F5A-9297-90CA9B0A40FE}" dt="2020-11-09T02:51:52.243" v="240" actId="20577"/>
+          <ac:chgData name="Tzu-Ying Chen" userId="6f1c1427c9e5e58c" providerId="LiveId" clId="{F8F6CFF2-947E-4F5A-9297-90CA9B0A40FE}" dt="2020-11-10T02:58:38.468" v="256" actId="20577"/>
           <ac:spMkLst>
             <pc:docMk/>
             <pc:sldMk cId="1473414405" sldId="261"/>
             <ac:spMk id="2" creationId="{574D4506-A213-4BE8-8E94-3EB7639578BA}"/>
           </ac:spMkLst>
         </pc:spChg>
+        <pc:spChg chg="del">
+          <ac:chgData name="Tzu-Ying Chen" userId="6f1c1427c9e5e58c" providerId="LiveId" clId="{F8F6CFF2-947E-4F5A-9297-90CA9B0A40FE}" dt="2020-11-10T02:58:53.533" v="257"/>
+          <ac:spMkLst>
+            <pc:docMk/>
+            <pc:sldMk cId="1473414405" sldId="261"/>
+            <ac:spMk id="3" creationId="{02F5989E-99A8-4C57-B134-ECAA9F365253}"/>
+          </ac:spMkLst>
+        </pc:spChg>
+        <pc:graphicFrameChg chg="add mod modGraphic">
+          <ac:chgData name="Tzu-Ying Chen" userId="6f1c1427c9e5e58c" providerId="LiveId" clId="{F8F6CFF2-947E-4F5A-9297-90CA9B0A40FE}" dt="2020-11-10T02:59:04.422" v="259" actId="1076"/>
+          <ac:graphicFrameMkLst>
+            <pc:docMk/>
+            <pc:sldMk cId="1473414405" sldId="261"/>
+            <ac:graphicFrameMk id="4" creationId="{255EAED2-62AE-4A0B-86A6-C09D9E4CAD61}"/>
+          </ac:graphicFrameMkLst>
+        </pc:graphicFrameChg>
+        <pc:picChg chg="add mod">
+          <ac:chgData name="Tzu-Ying Chen" userId="6f1c1427c9e5e58c" providerId="LiveId" clId="{F8F6CFF2-947E-4F5A-9297-90CA9B0A40FE}" dt="2020-11-10T02:59:16.193" v="262" actId="1076"/>
+          <ac:picMkLst>
+            <pc:docMk/>
+            <pc:sldMk cId="1473414405" sldId="261"/>
+            <ac:picMk id="5" creationId="{33A88820-BD02-4DAE-A764-39154D221852}"/>
+          </ac:picMkLst>
+        </pc:picChg>
+        <pc:picChg chg="add mod">
+          <ac:chgData name="Tzu-Ying Chen" userId="6f1c1427c9e5e58c" providerId="LiveId" clId="{F8F6CFF2-947E-4F5A-9297-90CA9B0A40FE}" dt="2020-11-10T02:59:16.193" v="262" actId="1076"/>
+          <ac:picMkLst>
+            <pc:docMk/>
+            <pc:sldMk cId="1473414405" sldId="261"/>
+            <ac:picMk id="6" creationId="{43BFA4E8-9EF4-4ADE-B97B-6F8C7544EA54}"/>
+          </ac:picMkLst>
+        </pc:picChg>
       </pc:sldChg>
       <pc:sldChg chg="addSp delSp modSp new del mod setBg">
         <pc:chgData name="Tzu-Ying Chen" userId="6f1c1427c9e5e58c" providerId="LiveId" clId="{F8F6CFF2-947E-4F5A-9297-90CA9B0A40FE}" dt="2020-11-09T02:51:37.722" v="225" actId="47"/>
@@ -611,6 +650,100 @@
           </ac:picMkLst>
         </pc:picChg>
       </pc:sldChg>
+      <pc:sldChg chg="addSp modSp new mod setBg">
+        <pc:chgData name="Tzu-Ying Chen" userId="6f1c1427c9e5e58c" providerId="LiveId" clId="{F8F6CFF2-947E-4F5A-9297-90CA9B0A40FE}" dt="2020-11-10T03:00:16.474" v="270" actId="207"/>
+        <pc:sldMkLst>
+          <pc:docMk/>
+          <pc:sldMk cId="585848862" sldId="262"/>
+        </pc:sldMkLst>
+        <pc:spChg chg="mod">
+          <ac:chgData name="Tzu-Ying Chen" userId="6f1c1427c9e5e58c" providerId="LiveId" clId="{F8F6CFF2-947E-4F5A-9297-90CA9B0A40FE}" dt="2020-11-10T03:00:16.474" v="270" actId="207"/>
+          <ac:spMkLst>
+            <pc:docMk/>
+            <pc:sldMk cId="585848862" sldId="262"/>
+            <ac:spMk id="2" creationId="{0B9E8657-9736-4C52-9731-5A0FF9662ADC}"/>
+          </ac:spMkLst>
+        </pc:spChg>
+        <pc:spChg chg="mod">
+          <ac:chgData name="Tzu-Ying Chen" userId="6f1c1427c9e5e58c" providerId="LiveId" clId="{F8F6CFF2-947E-4F5A-9297-90CA9B0A40FE}" dt="2020-11-10T03:00:05.572" v="268" actId="207"/>
+          <ac:spMkLst>
+            <pc:docMk/>
+            <pc:sldMk cId="585848862" sldId="262"/>
+            <ac:spMk id="3" creationId="{8267E6BB-B841-4B9C-AD3A-75E98816AC95}"/>
+          </ac:spMkLst>
+        </pc:spChg>
+        <pc:spChg chg="add">
+          <ac:chgData name="Tzu-Ying Chen" userId="6f1c1427c9e5e58c" providerId="LiveId" clId="{F8F6CFF2-947E-4F5A-9297-90CA9B0A40FE}" dt="2020-11-10T02:59:29.222" v="265" actId="26606"/>
+          <ac:spMkLst>
+            <pc:docMk/>
+            <pc:sldMk cId="585848862" sldId="262"/>
+            <ac:spMk id="9" creationId="{8651CFA9-6065-4243-AC48-858E359780B1}"/>
+          </ac:spMkLst>
+        </pc:spChg>
+        <pc:spChg chg="add">
+          <ac:chgData name="Tzu-Ying Chen" userId="6f1c1427c9e5e58c" providerId="LiveId" clId="{F8F6CFF2-947E-4F5A-9297-90CA9B0A40FE}" dt="2020-11-10T02:59:29.222" v="265" actId="26606"/>
+          <ac:spMkLst>
+            <pc:docMk/>
+            <pc:sldMk cId="585848862" sldId="262"/>
+            <ac:spMk id="11" creationId="{FBC8BBE5-981E-4B0B-9654-32B5668BFF31}"/>
+          </ac:spMkLst>
+        </pc:spChg>
+        <pc:spChg chg="add">
+          <ac:chgData name="Tzu-Ying Chen" userId="6f1c1427c9e5e58c" providerId="LiveId" clId="{F8F6CFF2-947E-4F5A-9297-90CA9B0A40FE}" dt="2020-11-10T02:59:29.222" v="265" actId="26606"/>
+          <ac:spMkLst>
+            <pc:docMk/>
+            <pc:sldMk cId="585848862" sldId="262"/>
+            <ac:spMk id="13" creationId="{094C9708-F6A4-4956-B261-A4A2C4DFEBF7}"/>
+          </ac:spMkLst>
+        </pc:spChg>
+        <pc:spChg chg="add">
+          <ac:chgData name="Tzu-Ying Chen" userId="6f1c1427c9e5e58c" providerId="LiveId" clId="{F8F6CFF2-947E-4F5A-9297-90CA9B0A40FE}" dt="2020-11-10T02:59:29.222" v="265" actId="26606"/>
+          <ac:spMkLst>
+            <pc:docMk/>
+            <pc:sldMk cId="585848862" sldId="262"/>
+            <ac:spMk id="15" creationId="{592DB257-3E16-4A3C-9E28-4682828127AD}"/>
+          </ac:spMkLst>
+        </pc:spChg>
+        <pc:spChg chg="add">
+          <ac:chgData name="Tzu-Ying Chen" userId="6f1c1427c9e5e58c" providerId="LiveId" clId="{F8F6CFF2-947E-4F5A-9297-90CA9B0A40FE}" dt="2020-11-10T02:59:29.222" v="265" actId="26606"/>
+          <ac:spMkLst>
+            <pc:docMk/>
+            <pc:sldMk cId="585848862" sldId="262"/>
+            <ac:spMk id="17" creationId="{487685E6-1160-459B-8C70-301404C06C23}"/>
+          </ac:spMkLst>
+        </pc:spChg>
+        <pc:picChg chg="add mod">
+          <ac:chgData name="Tzu-Ying Chen" userId="6f1c1427c9e5e58c" providerId="LiveId" clId="{F8F6CFF2-947E-4F5A-9297-90CA9B0A40FE}" dt="2020-11-10T02:59:29.222" v="265" actId="26606"/>
+          <ac:picMkLst>
+            <pc:docMk/>
+            <pc:sldMk cId="585848862" sldId="262"/>
+            <ac:picMk id="4" creationId="{5EE6B397-079E-4DC5-858C-FC800172C7AE}"/>
+          </ac:picMkLst>
+        </pc:picChg>
+      </pc:sldChg>
+      <pc:sldChg chg="modSp new mod">
+        <pc:chgData name="Tzu-Ying Chen" userId="6f1c1427c9e5e58c" providerId="LiveId" clId="{F8F6CFF2-947E-4F5A-9297-90CA9B0A40FE}" dt="2020-11-10T03:02:04.661" v="323" actId="20577"/>
+        <pc:sldMkLst>
+          <pc:docMk/>
+          <pc:sldMk cId="3334603387" sldId="263"/>
+        </pc:sldMkLst>
+        <pc:spChg chg="mod">
+          <ac:chgData name="Tzu-Ying Chen" userId="6f1c1427c9e5e58c" providerId="LiveId" clId="{F8F6CFF2-947E-4F5A-9297-90CA9B0A40FE}" dt="2020-11-10T03:01:26.169" v="313"/>
+          <ac:spMkLst>
+            <pc:docMk/>
+            <pc:sldMk cId="3334603387" sldId="263"/>
+            <ac:spMk id="2" creationId="{B1599F21-BF62-47AC-ABE7-DB9EB6CA3AE9}"/>
+          </ac:spMkLst>
+        </pc:spChg>
+        <pc:spChg chg="mod">
+          <ac:chgData name="Tzu-Ying Chen" userId="6f1c1427c9e5e58c" providerId="LiveId" clId="{F8F6CFF2-947E-4F5A-9297-90CA9B0A40FE}" dt="2020-11-10T03:02:04.661" v="323" actId="20577"/>
+          <ac:spMkLst>
+            <pc:docMk/>
+            <pc:sldMk cId="3334603387" sldId="263"/>
+            <ac:spMk id="3" creationId="{CD4AD066-97C1-4071-B55B-84C326548E10}"/>
+          </ac:spMkLst>
+        </pc:spChg>
+      </pc:sldChg>
     </pc:docChg>
   </pc:docChgLst>
 </pc:chgInfo>
@@ -772,7 +905,7 @@
             <a:fld id="{11A6662E-FAF4-44BC-88B5-85A7CBFB6D30}" type="datetime1">
               <a:rPr lang="en-US" smtClean="0"/>
               <a:pPr/>
-              <a:t>11/8/2020</a:t>
+              <a:t>11/9/2020</a:t>
             </a:fld>
             <a:endParaRPr lang="en-US"/>
           </a:p>
@@ -983,7 +1116,7 @@
           <a:p>
             <a:fld id="{4C559632-1575-4E14-B53B-3DC3D5ED3947}" type="datetime1">
               <a:rPr lang="en-US" smtClean="0"/>
-              <a:t>11/8/2020</a:t>
+              <a:t>11/9/2020</a:t>
             </a:fld>
             <a:endParaRPr lang="en-US"/>
           </a:p>
@@ -1191,7 +1324,7 @@
           <a:p>
             <a:fld id="{CC4A6868-2568-4CC9-B302-F37117B01A6E}" type="datetime1">
               <a:rPr lang="en-US" smtClean="0"/>
-              <a:t>11/8/2020</a:t>
+              <a:t>11/9/2020</a:t>
             </a:fld>
             <a:endParaRPr lang="en-US"/>
           </a:p>
@@ -1394,7 +1527,7 @@
           <a:p>
             <a:fld id="{0055F08A-1E71-4B2B-BB49-E743F2903911}" type="datetime1">
               <a:rPr lang="en-US" smtClean="0"/>
-              <a:t>11/8/2020</a:t>
+              <a:t>11/9/2020</a:t>
             </a:fld>
             <a:endParaRPr lang="en-US" dirty="0"/>
           </a:p>
@@ -1668,7 +1801,7 @@
           <a:p>
             <a:fld id="{15417D9E-721A-44BB-8863-9873FE64DA75}" type="datetime1">
               <a:rPr lang="en-US" smtClean="0"/>
-              <a:t>11/8/2020</a:t>
+              <a:t>11/9/2020</a:t>
             </a:fld>
             <a:endParaRPr lang="en-US"/>
           </a:p>
@@ -1938,7 +2071,7 @@
           <a:p>
             <a:fld id="{5F31DA2F-80B8-49CF-99FB-5ABCA53A607A}" type="datetime1">
               <a:rPr lang="en-US" smtClean="0"/>
-              <a:t>11/8/2020</a:t>
+              <a:t>11/9/2020</a:t>
             </a:fld>
             <a:endParaRPr lang="en-US"/>
           </a:p>
@@ -2351,7 +2484,7 @@
           <a:p>
             <a:fld id="{28852172-E6C9-4B6C-929A-A9DE3837BBF1}" type="datetime1">
               <a:rPr lang="en-US" smtClean="0"/>
-              <a:t>11/8/2020</a:t>
+              <a:t>11/9/2020</a:t>
             </a:fld>
             <a:endParaRPr lang="en-US"/>
           </a:p>
@@ -2497,7 +2630,7 @@
           <a:p>
             <a:fld id="{3AB41CFF-90C9-47B3-9DA1-F2BF8D839F7E}" type="datetime1">
               <a:rPr lang="en-US" smtClean="0"/>
-              <a:t>11/8/2020</a:t>
+              <a:t>11/9/2020</a:t>
             </a:fld>
             <a:endParaRPr lang="en-US"/>
           </a:p>
@@ -2610,7 +2743,7 @@
           <a:p>
             <a:fld id="{F06048FA-06AB-4884-A69B-986B96E68A24}" type="datetime1">
               <a:rPr lang="en-US" smtClean="0"/>
-              <a:t>11/8/2020</a:t>
+              <a:t>11/9/2020</a:t>
             </a:fld>
             <a:endParaRPr lang="en-US"/>
           </a:p>
@@ -2921,7 +3054,7 @@
           <a:p>
             <a:fld id="{50DB7ABA-0172-4F9C-889D-567164F66BCD}" type="datetime1">
               <a:rPr lang="en-US" smtClean="0"/>
-              <a:t>11/8/2020</a:t>
+              <a:t>11/9/2020</a:t>
             </a:fld>
             <a:endParaRPr lang="en-US"/>
           </a:p>
@@ -3212,7 +3345,7 @@
           <a:p>
             <a:fld id="{78AC6A5B-8AE7-4A41-B5A7-9ADC6686DC18}" type="datetime1">
               <a:rPr lang="en-US" smtClean="0"/>
-              <a:t>11/8/2020</a:t>
+              <a:t>11/9/2020</a:t>
             </a:fld>
             <a:endParaRPr lang="en-US"/>
           </a:p>
@@ -3558,7 +3691,7 @@
             <a:fld id="{57E0CF6C-748E-4B7A-BC8B-3011EF78ED13}" type="datetime1">
               <a:rPr lang="en-US" smtClean="0"/>
               <a:pPr/>
-              <a:t>11/8/2020</a:t>
+              <a:t>11/9/2020</a:t>
             </a:fld>
             <a:endParaRPr lang="en-US" dirty="0"/>
           </a:p>
@@ -5500,39 +5633,1119 @@
           <a:bodyPr/>
           <a:lstStyle/>
           <a:p>
-            <a:endParaRPr lang="en-US"/>
-          </a:p>
-        </p:txBody>
-      </p:sp>
-      <p:sp>
-        <p:nvSpPr>
-          <p:cNvPr id="3" name="Content Placeholder 2">
-            <a:extLst>
-              <a:ext uri="{FF2B5EF4-FFF2-40B4-BE49-F238E27FC236}">
-                <a16:creationId xmlns:a16="http://schemas.microsoft.com/office/drawing/2014/main" id="{02F5989E-99A8-4C57-B134-ECAA9F365253}"/>
-              </a:ext>
-            </a:extLst>
-          </p:cNvPr>
-          <p:cNvSpPr>
-            <a:spLocks noGrp="1"/>
-          </p:cNvSpPr>
+            <a:r>
+              <a:rPr lang="en-US" dirty="0"/>
+              <a:t>Model Comparison</a:t>
+            </a:r>
+          </a:p>
+        </p:txBody>
+      </p:sp>
+      <p:graphicFrame>
+        <p:nvGraphicFramePr>
+          <p:cNvPr id="4" name="Content Placeholder 3">
+            <a:extLst>
+              <a:ext uri="{FF2B5EF4-FFF2-40B4-BE49-F238E27FC236}">
+                <a16:creationId xmlns:a16="http://schemas.microsoft.com/office/drawing/2014/main" id="{255EAED2-62AE-4A0B-86A6-C09D9E4CAD61}"/>
+              </a:ext>
+            </a:extLst>
+          </p:cNvPr>
+          <p:cNvGraphicFramePr>
+            <a:graphicFrameLocks noGrp="1"/>
+          </p:cNvGraphicFramePr>
           <p:nvPr>
             <p:ph idx="1"/>
-          </p:nvPr>
-        </p:nvSpPr>
-        <p:spPr/>
-        <p:txBody>
-          <a:bodyPr/>
-          <a:lstStyle/>
-          <a:p>
-            <a:endParaRPr lang="en-US"/>
-          </a:p>
-        </p:txBody>
-      </p:sp>
+            <p:extLst>
+              <p:ext uri="{D42A27DB-BD31-4B8C-83A1-F6EECF244321}">
+                <p14:modId xmlns:p14="http://schemas.microsoft.com/office/powerpoint/2010/main" val="552118384"/>
+              </p:ext>
+            </p:extLst>
+          </p:nvPr>
+        </p:nvGraphicFramePr>
+        <p:xfrm>
+          <a:off x="3127375" y="2055654"/>
+          <a:ext cx="5937250" cy="932500"/>
+        </p:xfrm>
+        <a:graphic>
+          <a:graphicData uri="http://schemas.openxmlformats.org/drawingml/2006/table">
+            <a:tbl>
+              <a:tblPr firstRow="1" firstCol="1" bandRow="1">
+                <a:tableStyleId>{5C22544A-7EE6-4342-B048-85BDC9FD1C3A}</a:tableStyleId>
+              </a:tblPr>
+              <a:tblGrid>
+                <a:gridCol w="2968625">
+                  <a:extLst>
+                    <a:ext uri="{9D8B030D-6E8A-4147-A177-3AD203B41FA5}">
+                      <a16:colId xmlns:a16="http://schemas.microsoft.com/office/drawing/2014/main" val="2745204050"/>
+                    </a:ext>
+                  </a:extLst>
+                </a:gridCol>
+                <a:gridCol w="2968625">
+                  <a:extLst>
+                    <a:ext uri="{9D8B030D-6E8A-4147-A177-3AD203B41FA5}">
+                      <a16:colId xmlns:a16="http://schemas.microsoft.com/office/drawing/2014/main" val="1695224430"/>
+                    </a:ext>
+                  </a:extLst>
+                </a:gridCol>
+              </a:tblGrid>
+              <a:tr h="0">
+                <a:tc>
+                  <a:txBody>
+                    <a:bodyPr/>
+                    <a:lstStyle/>
+                    <a:p>
+                      <a:pPr marL="0" marR="0">
+                        <a:lnSpc>
+                          <a:spcPct val="107000"/>
+                        </a:lnSpc>
+                        <a:spcBef>
+                          <a:spcPts val="0"/>
+                        </a:spcBef>
+                        <a:spcAft>
+                          <a:spcPts val="0"/>
+                        </a:spcAft>
+                      </a:pPr>
+                      <a:r>
+                        <a:rPr lang="en-US" sz="1200">
+                          <a:effectLst/>
+                        </a:rPr>
+                        <a:t>Models</a:t>
+                      </a:r>
+                      <a:endParaRPr lang="en-US" sz="1100">
+                        <a:effectLst/>
+                        <a:latin typeface="Calibri" panose="020F0502020204030204" pitchFamily="34" charset="0"/>
+                        <a:ea typeface="PMingLiU" panose="02020500000000000000" pitchFamily="18" charset="-120"/>
+                        <a:cs typeface="Times New Roman" panose="02020603050405020304" pitchFamily="18" charset="0"/>
+                      </a:endParaRPr>
+                    </a:p>
+                  </a:txBody>
+                  <a:tcPr marL="68580" marR="68580" marT="0" marB="0"/>
+                </a:tc>
+                <a:tc>
+                  <a:txBody>
+                    <a:bodyPr/>
+                    <a:lstStyle/>
+                    <a:p>
+                      <a:pPr marL="0" marR="0">
+                        <a:lnSpc>
+                          <a:spcPct val="107000"/>
+                        </a:lnSpc>
+                        <a:spcBef>
+                          <a:spcPts val="0"/>
+                        </a:spcBef>
+                        <a:spcAft>
+                          <a:spcPts val="0"/>
+                        </a:spcAft>
+                      </a:pPr>
+                      <a:r>
+                        <a:rPr lang="en-US" sz="1200">
+                          <a:effectLst/>
+                        </a:rPr>
+                        <a:t>Accuracy Score</a:t>
+                      </a:r>
+                      <a:endParaRPr lang="en-US" sz="1100">
+                        <a:effectLst/>
+                        <a:latin typeface="Calibri" panose="020F0502020204030204" pitchFamily="34" charset="0"/>
+                        <a:ea typeface="PMingLiU" panose="02020500000000000000" pitchFamily="18" charset="-120"/>
+                        <a:cs typeface="Times New Roman" panose="02020603050405020304" pitchFamily="18" charset="0"/>
+                      </a:endParaRPr>
+                    </a:p>
+                  </a:txBody>
+                  <a:tcPr marL="68580" marR="68580" marT="0" marB="0"/>
+                </a:tc>
+                <a:extLst>
+                  <a:ext uri="{0D108BD9-81ED-4DB2-BD59-A6C34878D82A}">
+                    <a16:rowId xmlns:a16="http://schemas.microsoft.com/office/drawing/2014/main" val="2166196729"/>
+                  </a:ext>
+                </a:extLst>
+              </a:tr>
+              <a:tr h="0">
+                <a:tc>
+                  <a:txBody>
+                    <a:bodyPr/>
+                    <a:lstStyle/>
+                    <a:p>
+                      <a:pPr marL="0" marR="0">
+                        <a:lnSpc>
+                          <a:spcPct val="107000"/>
+                        </a:lnSpc>
+                        <a:spcBef>
+                          <a:spcPts val="0"/>
+                        </a:spcBef>
+                        <a:spcAft>
+                          <a:spcPts val="0"/>
+                        </a:spcAft>
+                      </a:pPr>
+                      <a:r>
+                        <a:rPr lang="en-US" sz="1200">
+                          <a:effectLst/>
+                        </a:rPr>
+                        <a:t>Support Vector Classifier</a:t>
+                      </a:r>
+                      <a:endParaRPr lang="en-US" sz="1100">
+                        <a:effectLst/>
+                        <a:latin typeface="Calibri" panose="020F0502020204030204" pitchFamily="34" charset="0"/>
+                        <a:ea typeface="PMingLiU" panose="02020500000000000000" pitchFamily="18" charset="-120"/>
+                        <a:cs typeface="Times New Roman" panose="02020603050405020304" pitchFamily="18" charset="0"/>
+                      </a:endParaRPr>
+                    </a:p>
+                  </a:txBody>
+                  <a:tcPr marL="68580" marR="68580" marT="0" marB="0"/>
+                </a:tc>
+                <a:tc>
+                  <a:txBody>
+                    <a:bodyPr/>
+                    <a:lstStyle/>
+                    <a:p>
+                      <a:pPr marL="0" marR="0">
+                        <a:lnSpc>
+                          <a:spcPct val="107000"/>
+                        </a:lnSpc>
+                        <a:spcBef>
+                          <a:spcPts val="0"/>
+                        </a:spcBef>
+                        <a:spcAft>
+                          <a:spcPts val="0"/>
+                        </a:spcAft>
+                      </a:pPr>
+                      <a:r>
+                        <a:rPr lang="en-US" sz="1200">
+                          <a:effectLst/>
+                        </a:rPr>
+                        <a:t>0.903508</a:t>
+                      </a:r>
+                      <a:endParaRPr lang="en-US" sz="1100">
+                        <a:effectLst/>
+                        <a:latin typeface="Calibri" panose="020F0502020204030204" pitchFamily="34" charset="0"/>
+                        <a:ea typeface="PMingLiU" panose="02020500000000000000" pitchFamily="18" charset="-120"/>
+                        <a:cs typeface="Times New Roman" panose="02020603050405020304" pitchFamily="18" charset="0"/>
+                      </a:endParaRPr>
+                    </a:p>
+                  </a:txBody>
+                  <a:tcPr marL="68580" marR="68580" marT="0" marB="0"/>
+                </a:tc>
+                <a:extLst>
+                  <a:ext uri="{0D108BD9-81ED-4DB2-BD59-A6C34878D82A}">
+                    <a16:rowId xmlns:a16="http://schemas.microsoft.com/office/drawing/2014/main" val="1195507094"/>
+                  </a:ext>
+                </a:extLst>
+              </a:tr>
+              <a:tr h="0">
+                <a:tc>
+                  <a:txBody>
+                    <a:bodyPr/>
+                    <a:lstStyle/>
+                    <a:p>
+                      <a:pPr marL="0" marR="0">
+                        <a:lnSpc>
+                          <a:spcPct val="107000"/>
+                        </a:lnSpc>
+                        <a:spcBef>
+                          <a:spcPts val="0"/>
+                        </a:spcBef>
+                        <a:spcAft>
+                          <a:spcPts val="0"/>
+                        </a:spcAft>
+                      </a:pPr>
+                      <a:r>
+                        <a:rPr lang="en-US" sz="1200">
+                          <a:effectLst/>
+                        </a:rPr>
+                        <a:t>Decision Tree Classifier</a:t>
+                      </a:r>
+                      <a:endParaRPr lang="en-US" sz="1100">
+                        <a:effectLst/>
+                        <a:latin typeface="Calibri" panose="020F0502020204030204" pitchFamily="34" charset="0"/>
+                        <a:ea typeface="PMingLiU" panose="02020500000000000000" pitchFamily="18" charset="-120"/>
+                        <a:cs typeface="Times New Roman" panose="02020603050405020304" pitchFamily="18" charset="0"/>
+                      </a:endParaRPr>
+                    </a:p>
+                  </a:txBody>
+                  <a:tcPr marL="68580" marR="68580" marT="0" marB="0"/>
+                </a:tc>
+                <a:tc>
+                  <a:txBody>
+                    <a:bodyPr/>
+                    <a:lstStyle/>
+                    <a:p>
+                      <a:pPr marL="0" marR="0">
+                        <a:lnSpc>
+                          <a:spcPct val="107000"/>
+                        </a:lnSpc>
+                        <a:spcBef>
+                          <a:spcPts val="0"/>
+                        </a:spcBef>
+                        <a:spcAft>
+                          <a:spcPts val="0"/>
+                        </a:spcAft>
+                      </a:pPr>
+                      <a:r>
+                        <a:rPr lang="en-US" sz="1200">
+                          <a:effectLst/>
+                        </a:rPr>
+                        <a:t>0.921059</a:t>
+                      </a:r>
+                      <a:endParaRPr lang="en-US" sz="1100">
+                        <a:effectLst/>
+                        <a:latin typeface="Calibri" panose="020F0502020204030204" pitchFamily="34" charset="0"/>
+                        <a:ea typeface="PMingLiU" panose="02020500000000000000" pitchFamily="18" charset="-120"/>
+                        <a:cs typeface="Times New Roman" panose="02020603050405020304" pitchFamily="18" charset="0"/>
+                      </a:endParaRPr>
+                    </a:p>
+                  </a:txBody>
+                  <a:tcPr marL="68580" marR="68580" marT="0" marB="0"/>
+                </a:tc>
+                <a:extLst>
+                  <a:ext uri="{0D108BD9-81ED-4DB2-BD59-A6C34878D82A}">
+                    <a16:rowId xmlns:a16="http://schemas.microsoft.com/office/drawing/2014/main" val="39426931"/>
+                  </a:ext>
+                </a:extLst>
+              </a:tr>
+              <a:tr h="0">
+                <a:tc>
+                  <a:txBody>
+                    <a:bodyPr/>
+                    <a:lstStyle/>
+                    <a:p>
+                      <a:pPr marL="0" marR="0">
+                        <a:lnSpc>
+                          <a:spcPct val="107000"/>
+                        </a:lnSpc>
+                        <a:spcBef>
+                          <a:spcPts val="0"/>
+                        </a:spcBef>
+                        <a:spcAft>
+                          <a:spcPts val="0"/>
+                        </a:spcAft>
+                      </a:pPr>
+                      <a:r>
+                        <a:rPr lang="en-US" sz="1200">
+                          <a:effectLst/>
+                        </a:rPr>
+                        <a:t>Random Forest Classifier</a:t>
+                      </a:r>
+                      <a:endParaRPr lang="en-US" sz="1100">
+                        <a:effectLst/>
+                        <a:latin typeface="Calibri" panose="020F0502020204030204" pitchFamily="34" charset="0"/>
+                        <a:ea typeface="PMingLiU" panose="02020500000000000000" pitchFamily="18" charset="-120"/>
+                        <a:cs typeface="Times New Roman" panose="02020603050405020304" pitchFamily="18" charset="0"/>
+                      </a:endParaRPr>
+                    </a:p>
+                  </a:txBody>
+                  <a:tcPr marL="68580" marR="68580" marT="0" marB="0"/>
+                </a:tc>
+                <a:tc>
+                  <a:txBody>
+                    <a:bodyPr/>
+                    <a:lstStyle/>
+                    <a:p>
+                      <a:pPr marL="0" marR="0">
+                        <a:lnSpc>
+                          <a:spcPct val="107000"/>
+                        </a:lnSpc>
+                        <a:spcBef>
+                          <a:spcPts val="0"/>
+                        </a:spcBef>
+                        <a:spcAft>
+                          <a:spcPts val="0"/>
+                        </a:spcAft>
+                      </a:pPr>
+                      <a:r>
+                        <a:rPr lang="en-US" sz="1200">
+                          <a:effectLst/>
+                        </a:rPr>
+                        <a:t>0.951798</a:t>
+                      </a:r>
+                      <a:endParaRPr lang="en-US" sz="1100">
+                        <a:effectLst/>
+                        <a:latin typeface="Calibri" panose="020F0502020204030204" pitchFamily="34" charset="0"/>
+                        <a:ea typeface="PMingLiU" panose="02020500000000000000" pitchFamily="18" charset="-120"/>
+                        <a:cs typeface="Times New Roman" panose="02020603050405020304" pitchFamily="18" charset="0"/>
+                      </a:endParaRPr>
+                    </a:p>
+                  </a:txBody>
+                  <a:tcPr marL="68580" marR="68580" marT="0" marB="0"/>
+                </a:tc>
+                <a:extLst>
+                  <a:ext uri="{0D108BD9-81ED-4DB2-BD59-A6C34878D82A}">
+                    <a16:rowId xmlns:a16="http://schemas.microsoft.com/office/drawing/2014/main" val="1964117115"/>
+                  </a:ext>
+                </a:extLst>
+              </a:tr>
+              <a:tr h="0">
+                <a:tc>
+                  <a:txBody>
+                    <a:bodyPr/>
+                    <a:lstStyle/>
+                    <a:p>
+                      <a:pPr marL="0" marR="0">
+                        <a:lnSpc>
+                          <a:spcPct val="107000"/>
+                        </a:lnSpc>
+                        <a:spcBef>
+                          <a:spcPts val="0"/>
+                        </a:spcBef>
+                        <a:spcAft>
+                          <a:spcPts val="0"/>
+                        </a:spcAft>
+                      </a:pPr>
+                      <a:r>
+                        <a:rPr lang="en-US" sz="1200">
+                          <a:effectLst/>
+                        </a:rPr>
+                        <a:t>Gradient Boosting Classifier</a:t>
+                      </a:r>
+                      <a:endParaRPr lang="en-US" sz="1100">
+                        <a:effectLst/>
+                        <a:latin typeface="Calibri" panose="020F0502020204030204" pitchFamily="34" charset="0"/>
+                        <a:ea typeface="PMingLiU" panose="02020500000000000000" pitchFamily="18" charset="-120"/>
+                        <a:cs typeface="Times New Roman" panose="02020603050405020304" pitchFamily="18" charset="0"/>
+                      </a:endParaRPr>
+                    </a:p>
+                  </a:txBody>
+                  <a:tcPr marL="68580" marR="68580" marT="0" marB="0"/>
+                </a:tc>
+                <a:tc>
+                  <a:txBody>
+                    <a:bodyPr/>
+                    <a:lstStyle/>
+                    <a:p>
+                      <a:pPr marL="0" marR="0">
+                        <a:lnSpc>
+                          <a:spcPct val="107000"/>
+                        </a:lnSpc>
+                        <a:spcBef>
+                          <a:spcPts val="0"/>
+                        </a:spcBef>
+                        <a:spcAft>
+                          <a:spcPts val="0"/>
+                        </a:spcAft>
+                      </a:pPr>
+                      <a:r>
+                        <a:rPr lang="en-US" sz="1200" dirty="0">
+                          <a:effectLst/>
+                        </a:rPr>
+                        <a:t>0.956140</a:t>
+                      </a:r>
+                      <a:endParaRPr lang="en-US" sz="1100" dirty="0">
+                        <a:effectLst/>
+                        <a:latin typeface="Calibri" panose="020F0502020204030204" pitchFamily="34" charset="0"/>
+                        <a:ea typeface="PMingLiU" panose="02020500000000000000" pitchFamily="18" charset="-120"/>
+                        <a:cs typeface="Times New Roman" panose="02020603050405020304" pitchFamily="18" charset="0"/>
+                      </a:endParaRPr>
+                    </a:p>
+                  </a:txBody>
+                  <a:tcPr marL="68580" marR="68580" marT="0" marB="0"/>
+                </a:tc>
+                <a:extLst>
+                  <a:ext uri="{0D108BD9-81ED-4DB2-BD59-A6C34878D82A}">
+                    <a16:rowId xmlns:a16="http://schemas.microsoft.com/office/drawing/2014/main" val="4188268734"/>
+                  </a:ext>
+                </a:extLst>
+              </a:tr>
+            </a:tbl>
+          </a:graphicData>
+        </a:graphic>
+      </p:graphicFrame>
+      <p:pic>
+        <p:nvPicPr>
+          <p:cNvPr id="5" name="Picture 4">
+            <a:extLst>
+              <a:ext uri="{FF2B5EF4-FFF2-40B4-BE49-F238E27FC236}">
+                <a16:creationId xmlns:a16="http://schemas.microsoft.com/office/drawing/2014/main" id="{33A88820-BD02-4DAE-A764-39154D221852}"/>
+              </a:ext>
+            </a:extLst>
+          </p:cNvPr>
+          <p:cNvPicPr/>
+          <p:nvPr/>
+        </p:nvPicPr>
+        <p:blipFill>
+          <a:blip r:embed="rId2">
+            <a:extLst>
+              <a:ext uri="{28A0092B-C50C-407E-A947-70E740481C1C}">
+                <a14:useLocalDpi xmlns:a14="http://schemas.microsoft.com/office/drawing/2010/main" val="0"/>
+              </a:ext>
+            </a:extLst>
+          </a:blip>
+          <a:stretch>
+            <a:fillRect/>
+          </a:stretch>
+        </p:blipFill>
+        <p:spPr>
+          <a:xfrm>
+            <a:off x="2746375" y="3442335"/>
+            <a:ext cx="3349625" cy="2748915"/>
+          </a:xfrm>
+          <a:prstGeom prst="rect">
+            <a:avLst/>
+          </a:prstGeom>
+        </p:spPr>
+      </p:pic>
+      <p:pic>
+        <p:nvPicPr>
+          <p:cNvPr id="6" name="Picture 5">
+            <a:extLst>
+              <a:ext uri="{FF2B5EF4-FFF2-40B4-BE49-F238E27FC236}">
+                <a16:creationId xmlns:a16="http://schemas.microsoft.com/office/drawing/2014/main" id="{43BFA4E8-9EF4-4ADE-B97B-6F8C7544EA54}"/>
+              </a:ext>
+            </a:extLst>
+          </p:cNvPr>
+          <p:cNvPicPr/>
+          <p:nvPr/>
+        </p:nvPicPr>
+        <p:blipFill>
+          <a:blip r:embed="rId3">
+            <a:extLst>
+              <a:ext uri="{28A0092B-C50C-407E-A947-70E740481C1C}">
+                <a14:useLocalDpi xmlns:a14="http://schemas.microsoft.com/office/drawing/2010/main" val="0"/>
+              </a:ext>
+            </a:extLst>
+          </a:blip>
+          <a:stretch>
+            <a:fillRect/>
+          </a:stretch>
+        </p:blipFill>
+        <p:spPr>
+          <a:xfrm>
+            <a:off x="6407785" y="3429000"/>
+            <a:ext cx="3071495" cy="2762250"/>
+          </a:xfrm>
+          <a:prstGeom prst="rect">
+            <a:avLst/>
+          </a:prstGeom>
+        </p:spPr>
+      </p:pic>
     </p:spTree>
     <p:extLst>
       <p:ext uri="{BB962C8B-B14F-4D97-AF65-F5344CB8AC3E}">
         <p14:creationId xmlns:p14="http://schemas.microsoft.com/office/powerpoint/2010/main" val="1473414405"/>
+      </p:ext>
+    </p:extLst>
+  </p:cSld>
+  <p:clrMapOvr>
+    <a:masterClrMapping/>
+  </p:clrMapOvr>
+</p:sld>
+</file>
+
+<file path=ppt/slides/slide7.xml><?xml version="1.0" encoding="utf-8"?>
+<p:sld xmlns:a="http://schemas.openxmlformats.org/drawingml/2006/main" xmlns:r="http://schemas.openxmlformats.org/officeDocument/2006/relationships" xmlns:p="http://schemas.openxmlformats.org/presentationml/2006/main">
+  <p:cSld>
+    <p:bg>
+      <p:bgPr>
+        <a:solidFill>
+          <a:schemeClr val="bg1"/>
+        </a:solidFill>
+        <a:effectLst/>
+      </p:bgPr>
+    </p:bg>
+    <p:spTree>
+      <p:nvGrpSpPr>
+        <p:cNvPr id="1" name=""/>
+        <p:cNvGrpSpPr/>
+        <p:nvPr/>
+      </p:nvGrpSpPr>
+      <p:grpSpPr>
+        <a:xfrm>
+          <a:off x="0" y="0"/>
+          <a:ext cx="0" cy="0"/>
+          <a:chOff x="0" y="0"/>
+          <a:chExt cx="0" cy="0"/>
+        </a:xfrm>
+      </p:grpSpPr>
+      <p:sp useBgFill="1">
+        <p:nvSpPr>
+          <p:cNvPr id="9" name="Rectangle 8">
+            <a:extLst>
+              <a:ext uri="{FF2B5EF4-FFF2-40B4-BE49-F238E27FC236}">
+                <a16:creationId xmlns:a16="http://schemas.microsoft.com/office/drawing/2014/main" id="{8651CFA9-6065-4243-AC48-858E359780B1}"/>
+              </a:ext>
+              <a:ext uri="{C183D7F6-B498-43B3-948B-1728B52AA6E4}">
+                <adec:decorative xmlns:adec="http://schemas.microsoft.com/office/drawing/2017/decorative" val="1"/>
+              </a:ext>
+            </a:extLst>
+          </p:cNvPr>
+          <p:cNvSpPr>
+            <a:spLocks noGrp="1" noRot="1" noChangeAspect="1" noMove="1" noResize="1" noEditPoints="1" noAdjustHandles="1" noChangeArrowheads="1" noChangeShapeType="1" noTextEdit="1"/>
+          </p:cNvSpPr>
+          <p:nvPr>
+            <p:extLst>
+              <p:ext uri="{386F3935-93C4-4BCD-93E2-E3B085C9AB24}">
+                <p16:designElem xmlns:p16="http://schemas.microsoft.com/office/powerpoint/2015/main" val="1"/>
+              </p:ext>
+            </p:extLst>
+          </p:nvPr>
+        </p:nvSpPr>
+        <p:spPr>
+          <a:xfrm>
+            <a:off x="0" y="0"/>
+            <a:ext cx="12188952" cy="6858000"/>
+          </a:xfrm>
+          <a:prstGeom prst="rect">
+            <a:avLst/>
+          </a:prstGeom>
+          <a:ln>
+            <a:noFill/>
+          </a:ln>
+        </p:spPr>
+        <p:style>
+          <a:lnRef idx="2">
+            <a:schemeClr val="accent1">
+              <a:shade val="50000"/>
+            </a:schemeClr>
+          </a:lnRef>
+          <a:fillRef idx="1">
+            <a:schemeClr val="accent1"/>
+          </a:fillRef>
+          <a:effectRef idx="0">
+            <a:schemeClr val="accent1"/>
+          </a:effectRef>
+          <a:fontRef idx="minor">
+            <a:schemeClr val="lt1"/>
+          </a:fontRef>
+        </p:style>
+        <p:txBody>
+          <a:bodyPr rtlCol="0" anchor="ctr"/>
+          <a:lstStyle/>
+          <a:p>
+            <a:pPr algn="ctr"/>
+            <a:endParaRPr lang="en-US" dirty="0">
+              <a:solidFill>
+                <a:schemeClr val="tx1">
+                  <a:lumMod val="65000"/>
+                  <a:lumOff val="35000"/>
+                </a:schemeClr>
+              </a:solidFill>
+              <a:latin typeface="AvenirNext LT Pro Medium" panose="020B0504020202020204" pitchFamily="34" charset="0"/>
+            </a:endParaRPr>
+          </a:p>
+        </p:txBody>
+      </p:sp>
+      <p:sp>
+        <p:nvSpPr>
+          <p:cNvPr id="11" name="Rectangle 10">
+            <a:extLst>
+              <a:ext uri="{FF2B5EF4-FFF2-40B4-BE49-F238E27FC236}">
+                <a16:creationId xmlns:a16="http://schemas.microsoft.com/office/drawing/2014/main" id="{FBC8BBE5-981E-4B0B-9654-32B5668BFF31}"/>
+              </a:ext>
+              <a:ext uri="{C183D7F6-B498-43B3-948B-1728B52AA6E4}">
+                <adec:decorative xmlns:adec="http://schemas.microsoft.com/office/drawing/2017/decorative" val="1"/>
+              </a:ext>
+            </a:extLst>
+          </p:cNvPr>
+          <p:cNvSpPr>
+            <a:spLocks noGrp="1" noRot="1" noChangeAspect="1" noMove="1" noResize="1" noEditPoints="1" noAdjustHandles="1" noChangeArrowheads="1" noChangeShapeType="1" noTextEdit="1"/>
+          </p:cNvSpPr>
+          <p:nvPr>
+            <p:extLst>
+              <p:ext uri="{386F3935-93C4-4BCD-93E2-E3B085C9AB24}">
+                <p16:designElem xmlns:p16="http://schemas.microsoft.com/office/powerpoint/2015/main" val="1"/>
+              </p:ext>
+            </p:extLst>
+          </p:nvPr>
+        </p:nvSpPr>
+        <p:spPr>
+          <a:xfrm>
+            <a:off x="3048" y="0"/>
+            <a:ext cx="12188952" cy="6858000"/>
+          </a:xfrm>
+          <a:prstGeom prst="rect">
+            <a:avLst/>
+          </a:prstGeom>
+          <a:solidFill>
+            <a:schemeClr val="bg2">
+              <a:alpha val="70000"/>
+            </a:schemeClr>
+          </a:solidFill>
+          <a:ln>
+            <a:noFill/>
+          </a:ln>
+        </p:spPr>
+        <p:style>
+          <a:lnRef idx="2">
+            <a:schemeClr val="accent1">
+              <a:shade val="50000"/>
+            </a:schemeClr>
+          </a:lnRef>
+          <a:fillRef idx="1">
+            <a:schemeClr val="accent1"/>
+          </a:fillRef>
+          <a:effectRef idx="0">
+            <a:schemeClr val="accent1"/>
+          </a:effectRef>
+          <a:fontRef idx="minor">
+            <a:schemeClr val="lt1"/>
+          </a:fontRef>
+        </p:style>
+        <p:txBody>
+          <a:bodyPr rtlCol="0" anchor="ctr"/>
+          <a:lstStyle/>
+          <a:p>
+            <a:pPr algn="ctr"/>
+            <a:endParaRPr lang="en-US">
+              <a:solidFill>
+                <a:schemeClr val="tx1">
+                  <a:lumMod val="65000"/>
+                  <a:lumOff val="35000"/>
+                </a:schemeClr>
+              </a:solidFill>
+              <a:latin typeface="AvenirNext LT Pro Medium" panose="020B0504020202020204" pitchFamily="34" charset="0"/>
+            </a:endParaRPr>
+          </a:p>
+        </p:txBody>
+      </p:sp>
+      <p:sp>
+        <p:nvSpPr>
+          <p:cNvPr id="2" name="Title 1">
+            <a:extLst>
+              <a:ext uri="{FF2B5EF4-FFF2-40B4-BE49-F238E27FC236}">
+                <a16:creationId xmlns:a16="http://schemas.microsoft.com/office/drawing/2014/main" id="{0B9E8657-9736-4C52-9731-5A0FF9662ADC}"/>
+              </a:ext>
+            </a:extLst>
+          </p:cNvPr>
+          <p:cNvSpPr>
+            <a:spLocks noGrp="1"/>
+          </p:cNvSpPr>
+          <p:nvPr>
+            <p:ph type="title"/>
+          </p:nvPr>
+        </p:nvSpPr>
+        <p:spPr>
+          <a:xfrm>
+            <a:off x="838200" y="586992"/>
+            <a:ext cx="4953000" cy="1664573"/>
+          </a:xfrm>
+        </p:spPr>
+        <p:txBody>
+          <a:bodyPr>
+            <a:normAutofit/>
+          </a:bodyPr>
+          <a:lstStyle/>
+          <a:p>
+            <a:r>
+              <a:rPr lang="en-US" dirty="0">
+                <a:solidFill>
+                  <a:schemeClr val="tx2">
+                    <a:lumMod val="75000"/>
+                    <a:lumOff val="25000"/>
+                  </a:schemeClr>
+                </a:solidFill>
+              </a:rPr>
+              <a:t>Model Comparison</a:t>
+            </a:r>
+          </a:p>
+        </p:txBody>
+      </p:sp>
+      <p:sp>
+        <p:nvSpPr>
+          <p:cNvPr id="3" name="Content Placeholder 2">
+            <a:extLst>
+              <a:ext uri="{FF2B5EF4-FFF2-40B4-BE49-F238E27FC236}">
+                <a16:creationId xmlns:a16="http://schemas.microsoft.com/office/drawing/2014/main" id="{8267E6BB-B841-4B9C-AD3A-75E98816AC95}"/>
+              </a:ext>
+            </a:extLst>
+          </p:cNvPr>
+          <p:cNvSpPr>
+            <a:spLocks noGrp="1"/>
+          </p:cNvSpPr>
+          <p:nvPr>
+            <p:ph idx="1"/>
+          </p:nvPr>
+        </p:nvSpPr>
+        <p:spPr>
+          <a:xfrm>
+            <a:off x="838200" y="2411653"/>
+            <a:ext cx="4952681" cy="3728613"/>
+          </a:xfrm>
+        </p:spPr>
+        <p:txBody>
+          <a:bodyPr>
+            <a:normAutofit/>
+          </a:bodyPr>
+          <a:lstStyle/>
+          <a:p>
+            <a:r>
+              <a:rPr lang="en-US" dirty="0">
+                <a:solidFill>
+                  <a:schemeClr val="tx2">
+                    <a:lumMod val="75000"/>
+                    <a:lumOff val="25000"/>
+                  </a:schemeClr>
+                </a:solidFill>
+              </a:rPr>
+              <a:t>it is showing that both random forest classifier and gradient boosting classifier are better classifiers for this problem, while decision tree and SVC are not quite much.</a:t>
+            </a:r>
+          </a:p>
+        </p:txBody>
+      </p:sp>
+      <p:sp>
+        <p:nvSpPr>
+          <p:cNvPr id="13" name="Rectangle 12">
+            <a:extLst>
+              <a:ext uri="{FF2B5EF4-FFF2-40B4-BE49-F238E27FC236}">
+                <a16:creationId xmlns:a16="http://schemas.microsoft.com/office/drawing/2014/main" id="{094C9708-F6A4-4956-B261-A4A2C4DFEBF7}"/>
+              </a:ext>
+              <a:ext uri="{C183D7F6-B498-43B3-948B-1728B52AA6E4}">
+                <adec:decorative xmlns:adec="http://schemas.microsoft.com/office/drawing/2017/decorative" val="1"/>
+              </a:ext>
+            </a:extLst>
+          </p:cNvPr>
+          <p:cNvSpPr>
+            <a:spLocks noGrp="1" noRot="1" noChangeAspect="1" noMove="1" noResize="1" noEditPoints="1" noAdjustHandles="1" noChangeArrowheads="1" noChangeShapeType="1" noTextEdit="1"/>
+          </p:cNvSpPr>
+          <p:nvPr>
+            <p:extLst>
+              <p:ext uri="{386F3935-93C4-4BCD-93E2-E3B085C9AB24}">
+                <p16:designElem xmlns:p16="http://schemas.microsoft.com/office/powerpoint/2015/main" val="1"/>
+              </p:ext>
+            </p:extLst>
+          </p:nvPr>
+        </p:nvSpPr>
+        <p:spPr>
+          <a:xfrm>
+            <a:off x="6248400" y="0"/>
+            <a:ext cx="5943600" cy="6858000"/>
+          </a:xfrm>
+          <a:prstGeom prst="rect">
+            <a:avLst/>
+          </a:prstGeom>
+          <a:solidFill>
+            <a:schemeClr val="bg2">
+              <a:alpha val="60000"/>
+            </a:schemeClr>
+          </a:solidFill>
+          <a:ln>
+            <a:noFill/>
+          </a:ln>
+        </p:spPr>
+        <p:style>
+          <a:lnRef idx="2">
+            <a:schemeClr val="accent1">
+              <a:shade val="50000"/>
+            </a:schemeClr>
+          </a:lnRef>
+          <a:fillRef idx="1">
+            <a:schemeClr val="accent1"/>
+          </a:fillRef>
+          <a:effectRef idx="0">
+            <a:schemeClr val="accent1"/>
+          </a:effectRef>
+          <a:fontRef idx="minor">
+            <a:schemeClr val="lt1"/>
+          </a:fontRef>
+        </p:style>
+        <p:txBody>
+          <a:bodyPr rtlCol="0" anchor="ctr"/>
+          <a:lstStyle/>
+          <a:p>
+            <a:pPr algn="ctr"/>
+            <a:endParaRPr lang="en-US" dirty="0">
+              <a:solidFill>
+                <a:schemeClr val="tx1">
+                  <a:lumMod val="65000"/>
+                  <a:lumOff val="35000"/>
+                </a:schemeClr>
+              </a:solidFill>
+              <a:latin typeface="AvenirNext LT Pro Medium" panose="020B0504020202020204" pitchFamily="34" charset="0"/>
+            </a:endParaRPr>
+          </a:p>
+        </p:txBody>
+      </p:sp>
+      <p:sp>
+        <p:nvSpPr>
+          <p:cNvPr id="15" name="Rectangle 14">
+            <a:extLst>
+              <a:ext uri="{FF2B5EF4-FFF2-40B4-BE49-F238E27FC236}">
+                <a16:creationId xmlns:a16="http://schemas.microsoft.com/office/drawing/2014/main" id="{592DB257-3E16-4A3C-9E28-4682828127AD}"/>
+              </a:ext>
+              <a:ext uri="{C183D7F6-B498-43B3-948B-1728B52AA6E4}">
+                <adec:decorative xmlns:adec="http://schemas.microsoft.com/office/drawing/2017/decorative" val="1"/>
+              </a:ext>
+            </a:extLst>
+          </p:cNvPr>
+          <p:cNvSpPr>
+            <a:spLocks noGrp="1" noRot="1" noChangeAspect="1" noMove="1" noResize="1" noEditPoints="1" noAdjustHandles="1" noChangeArrowheads="1" noChangeShapeType="1" noTextEdit="1"/>
+          </p:cNvSpPr>
+          <p:nvPr>
+            <p:extLst>
+              <p:ext uri="{386F3935-93C4-4BCD-93E2-E3B085C9AB24}">
+                <p16:designElem xmlns:p16="http://schemas.microsoft.com/office/powerpoint/2015/main" val="1"/>
+              </p:ext>
+            </p:extLst>
+          </p:nvPr>
+        </p:nvSpPr>
+        <p:spPr>
+          <a:xfrm>
+            <a:off x="6190666" y="0"/>
+            <a:ext cx="6001333" cy="6858000"/>
+          </a:xfrm>
+          <a:prstGeom prst="rect">
+            <a:avLst/>
+          </a:prstGeom>
+          <a:solidFill>
+            <a:schemeClr val="tx2">
+              <a:lumMod val="90000"/>
+              <a:lumOff val="10000"/>
+            </a:schemeClr>
+          </a:solidFill>
+          <a:ln>
+            <a:noFill/>
+          </a:ln>
+        </p:spPr>
+        <p:style>
+          <a:lnRef idx="2">
+            <a:schemeClr val="accent1">
+              <a:shade val="50000"/>
+            </a:schemeClr>
+          </a:lnRef>
+          <a:fillRef idx="1">
+            <a:schemeClr val="accent1"/>
+          </a:fillRef>
+          <a:effectRef idx="0">
+            <a:schemeClr val="accent1"/>
+          </a:effectRef>
+          <a:fontRef idx="minor">
+            <a:schemeClr val="lt1"/>
+          </a:fontRef>
+        </p:style>
+        <p:txBody>
+          <a:bodyPr rtlCol="0" anchor="ctr"/>
+          <a:lstStyle/>
+          <a:p>
+            <a:pPr algn="ctr"/>
+            <a:endParaRPr lang="en-US" dirty="0">
+              <a:solidFill>
+                <a:schemeClr val="tx1">
+                  <a:lumMod val="65000"/>
+                  <a:lumOff val="35000"/>
+                </a:schemeClr>
+              </a:solidFill>
+              <a:latin typeface="AvenirNext LT Pro Medium" panose="020B0504020202020204" pitchFamily="34" charset="0"/>
+            </a:endParaRPr>
+          </a:p>
+        </p:txBody>
+      </p:sp>
+      <p:sp>
+        <p:nvSpPr>
+          <p:cNvPr id="17" name="Rectangle 16">
+            <a:extLst>
+              <a:ext uri="{FF2B5EF4-FFF2-40B4-BE49-F238E27FC236}">
+                <a16:creationId xmlns:a16="http://schemas.microsoft.com/office/drawing/2014/main" id="{487685E6-1160-459B-8C70-301404C06C23}"/>
+              </a:ext>
+              <a:ext uri="{C183D7F6-B498-43B3-948B-1728B52AA6E4}">
+                <adec:decorative xmlns:adec="http://schemas.microsoft.com/office/drawing/2017/decorative" val="1"/>
+              </a:ext>
+            </a:extLst>
+          </p:cNvPr>
+          <p:cNvSpPr>
+            <a:spLocks noGrp="1" noRot="1" noChangeAspect="1" noMove="1" noResize="1" noEditPoints="1" noAdjustHandles="1" noChangeArrowheads="1" noChangeShapeType="1" noTextEdit="1"/>
+          </p:cNvSpPr>
+          <p:nvPr>
+            <p:extLst>
+              <p:ext uri="{386F3935-93C4-4BCD-93E2-E3B085C9AB24}">
+                <p16:designElem xmlns:p16="http://schemas.microsoft.com/office/powerpoint/2015/main" val="1"/>
+              </p:ext>
+            </p:extLst>
+          </p:nvPr>
+        </p:nvSpPr>
+        <p:spPr>
+          <a:xfrm rot="10800000">
+            <a:off x="6196875" y="0"/>
+            <a:ext cx="5992075" cy="6858000"/>
+          </a:xfrm>
+          <a:prstGeom prst="rect">
+            <a:avLst/>
+          </a:prstGeom>
+          <a:blipFill dpi="0" rotWithShape="1">
+            <a:blip r:embed="rId2">
+              <a:alphaModFix amt="20000"/>
+              <a:duotone>
+                <a:schemeClr val="accent1">
+                  <a:shade val="45000"/>
+                  <a:satMod val="135000"/>
+                </a:schemeClr>
+                <a:prstClr val="white"/>
+              </a:duotone>
+            </a:blip>
+            <a:srcRect/>
+            <a:tile tx="889000" ty="0" sx="100000" sy="100000" flip="none" algn="tl"/>
+          </a:blipFill>
+          <a:ln>
+            <a:noFill/>
+          </a:ln>
+        </p:spPr>
+        <p:style>
+          <a:lnRef idx="2">
+            <a:schemeClr val="accent1">
+              <a:shade val="50000"/>
+            </a:schemeClr>
+          </a:lnRef>
+          <a:fillRef idx="1">
+            <a:schemeClr val="accent1"/>
+          </a:fillRef>
+          <a:effectRef idx="0">
+            <a:schemeClr val="accent1"/>
+          </a:effectRef>
+          <a:fontRef idx="minor">
+            <a:schemeClr val="lt1"/>
+          </a:fontRef>
+        </p:style>
+        <p:txBody>
+          <a:bodyPr rtlCol="0" anchor="ctr"/>
+          <a:lstStyle/>
+          <a:p>
+            <a:pPr algn="ctr"/>
+            <a:endParaRPr lang="en-US" dirty="0"/>
+          </a:p>
+        </p:txBody>
+      </p:sp>
+      <p:pic>
+        <p:nvPicPr>
+          <p:cNvPr id="4" name="Picture 3">
+            <a:extLst>
+              <a:ext uri="{FF2B5EF4-FFF2-40B4-BE49-F238E27FC236}">
+                <a16:creationId xmlns:a16="http://schemas.microsoft.com/office/drawing/2014/main" id="{5EE6B397-079E-4DC5-858C-FC800172C7AE}"/>
+              </a:ext>
+            </a:extLst>
+          </p:cNvPr>
+          <p:cNvPicPr/>
+          <p:nvPr/>
+        </p:nvPicPr>
+        <p:blipFill>
+          <a:blip r:embed="rId3">
+            <a:extLst>
+              <a:ext uri="{28A0092B-C50C-407E-A947-70E740481C1C}">
+                <a14:useLocalDpi xmlns:a14="http://schemas.microsoft.com/office/drawing/2010/main" val="0"/>
+              </a:ext>
+            </a:extLst>
+          </a:blip>
+          <a:stretch>
+            <a:fillRect/>
+          </a:stretch>
+        </p:blipFill>
+        <p:spPr>
+          <a:xfrm>
+            <a:off x="6858001" y="1802360"/>
+            <a:ext cx="4724400" cy="3248025"/>
+          </a:xfrm>
+          <a:prstGeom prst="rect">
+            <a:avLst/>
+          </a:prstGeom>
+        </p:spPr>
+      </p:pic>
+    </p:spTree>
+    <p:extLst>
+      <p:ext uri="{BB962C8B-B14F-4D97-AF65-F5344CB8AC3E}">
+        <p14:creationId xmlns:p14="http://schemas.microsoft.com/office/powerpoint/2010/main" val="585848862"/>
+      </p:ext>
+    </p:extLst>
+  </p:cSld>
+  <p:clrMapOvr>
+    <a:masterClrMapping/>
+  </p:clrMapOvr>
+</p:sld>
+</file>
+
+<file path=ppt/slides/slide8.xml><?xml version="1.0" encoding="utf-8"?>
+<p:sld xmlns:a="http://schemas.openxmlformats.org/drawingml/2006/main" xmlns:r="http://schemas.openxmlformats.org/officeDocument/2006/relationships" xmlns:p="http://schemas.openxmlformats.org/presentationml/2006/main">
+  <p:cSld>
+    <p:spTree>
+      <p:nvGrpSpPr>
+        <p:cNvPr id="1" name=""/>
+        <p:cNvGrpSpPr/>
+        <p:nvPr/>
+      </p:nvGrpSpPr>
+      <p:grpSpPr>
+        <a:xfrm>
+          <a:off x="0" y="0"/>
+          <a:ext cx="0" cy="0"/>
+          <a:chOff x="0" y="0"/>
+          <a:chExt cx="0" cy="0"/>
+        </a:xfrm>
+      </p:grpSpPr>
+      <p:sp>
+        <p:nvSpPr>
+          <p:cNvPr id="2" name="Title 1">
+            <a:extLst>
+              <a:ext uri="{FF2B5EF4-FFF2-40B4-BE49-F238E27FC236}">
+                <a16:creationId xmlns:a16="http://schemas.microsoft.com/office/drawing/2014/main" id="{B1599F21-BF62-47AC-ABE7-DB9EB6CA3AE9}"/>
+              </a:ext>
+            </a:extLst>
+          </p:cNvPr>
+          <p:cNvSpPr>
+            <a:spLocks noGrp="1"/>
+          </p:cNvSpPr>
+          <p:nvPr>
+            <p:ph type="title"/>
+          </p:nvPr>
+        </p:nvSpPr>
+        <p:spPr/>
+        <p:txBody>
+          <a:bodyPr/>
+          <a:lstStyle/>
+          <a:p>
+            <a:r>
+              <a:rPr lang="en-US" dirty="0"/>
+              <a:t>Summary and Next Step</a:t>
+            </a:r>
+          </a:p>
+        </p:txBody>
+      </p:sp>
+      <p:sp>
+        <p:nvSpPr>
+          <p:cNvPr id="3" name="Content Placeholder 2">
+            <a:extLst>
+              <a:ext uri="{FF2B5EF4-FFF2-40B4-BE49-F238E27FC236}">
+                <a16:creationId xmlns:a16="http://schemas.microsoft.com/office/drawing/2014/main" id="{CD4AD066-97C1-4071-B55B-84C326548E10}"/>
+              </a:ext>
+            </a:extLst>
+          </p:cNvPr>
+          <p:cNvSpPr>
+            <a:spLocks noGrp="1"/>
+          </p:cNvSpPr>
+          <p:nvPr>
+            <p:ph idx="1"/>
+          </p:nvPr>
+        </p:nvSpPr>
+        <p:spPr/>
+        <p:txBody>
+          <a:bodyPr>
+            <a:normAutofit lnSpcReduction="10000"/>
+          </a:bodyPr>
+          <a:lstStyle/>
+          <a:p>
+            <a:r>
+              <a:rPr lang="en-US" dirty="0"/>
+              <a:t>it is shown that both </a:t>
+            </a:r>
+            <a:r>
+              <a:rPr lang="en-US" b="1" dirty="0"/>
+              <a:t>gradient boosting classifier and random forest classifier</a:t>
+            </a:r>
+            <a:r>
+              <a:rPr lang="en-US" dirty="0"/>
+              <a:t> can perform good prediction for breast cancer data set. In the machine learning algorithm could be realized and implemented in the real-life situation could greatly benefitting the current healthcare system in treating breast cancer more responsively and accurately.</a:t>
+            </a:r>
+          </a:p>
+          <a:p>
+            <a:r>
+              <a:rPr lang="en-US" dirty="0"/>
+              <a:t>There are </a:t>
+            </a:r>
+            <a:r>
+              <a:rPr lang="en-US"/>
+              <a:t>some rooms </a:t>
+            </a:r>
+            <a:r>
+              <a:rPr lang="en-US" dirty="0"/>
+              <a:t>for improvement in this project, such as tuning the hyperparameters for the gradient boosting or random forest classifiers to achieve even better result. </a:t>
+            </a:r>
+          </a:p>
+        </p:txBody>
+      </p:sp>
+    </p:spTree>
+    <p:extLst>
+      <p:ext uri="{BB962C8B-B14F-4D97-AF65-F5344CB8AC3E}">
+        <p14:creationId xmlns:p14="http://schemas.microsoft.com/office/powerpoint/2010/main" val="3334603387"/>
       </p:ext>
     </p:extLst>
   </p:cSld>
